--- a/final project chao.pptx
+++ b/final project chao.pptx
@@ -9,7 +9,8 @@
     <p:sldId id="257" r:id="rId3"/>
     <p:sldId id="258" r:id="rId4"/>
     <p:sldId id="259" r:id="rId5"/>
-    <p:sldId id="260" r:id="rId6"/>
+    <p:sldId id="261" r:id="rId6"/>
+    <p:sldId id="260" r:id="rId7"/>
   </p:sldIdLst>
   <p:sldSz cx="12192000" cy="6858000"/>
   <p:notesSz cx="6858000" cy="9144000"/>
@@ -108,6 +109,11 @@
       </a:defRPr>
     </a:lvl9pPr>
   </p:defaultTextStyle>
+  <p:extLst>
+    <p:ext uri="{EFAFB233-063F-42B5-8137-9DF3F51BA10A}">
+      <p15:sldGuideLst xmlns:p15="http://schemas.microsoft.com/office/powerpoint/2012/main"/>
+    </p:ext>
+  </p:extLst>
 </p:presentation>
 </file>
 
@@ -3405,8 +3411,8 @@
         </p:nvSpPr>
         <p:spPr>
           <a:xfrm>
-            <a:off x="6890773" y="2821526"/>
-            <a:ext cx="5223423" cy="2862322"/>
+            <a:off x="4441568" y="3018383"/>
+            <a:ext cx="7525263" cy="2031325"/>
           </a:xfrm>
           <a:prstGeom prst="rect">
             <a:avLst/>
@@ -3493,8 +3499,8 @@
         </p:blipFill>
         <p:spPr bwMode="auto">
           <a:xfrm>
-            <a:off x="838200" y="2614713"/>
-            <a:ext cx="5849907" cy="3275948"/>
+            <a:off x="524932" y="3018383"/>
+            <a:ext cx="3666067" cy="2052998"/>
           </a:xfrm>
           <a:prstGeom prst="rect">
             <a:avLst/>
@@ -4064,6 +4070,323 @@
 </file>
 
 <file path=ppt/slides/slide5.xml><?xml version="1.0" encoding="utf-8"?>
+<p:sld xmlns:a="http://schemas.openxmlformats.org/drawingml/2006/main" xmlns:r="http://schemas.openxmlformats.org/officeDocument/2006/relationships" xmlns:p="http://schemas.openxmlformats.org/presentationml/2006/main">
+  <p:cSld>
+    <p:spTree>
+      <p:nvGrpSpPr>
+        <p:cNvPr id="1" name=""/>
+        <p:cNvGrpSpPr/>
+        <p:nvPr/>
+      </p:nvGrpSpPr>
+      <p:grpSpPr>
+        <a:xfrm>
+          <a:off x="0" y="0"/>
+          <a:ext cx="0" cy="0"/>
+          <a:chOff x="0" y="0"/>
+          <a:chExt cx="0" cy="0"/>
+        </a:xfrm>
+      </p:grpSpPr>
+      <p:sp>
+        <p:nvSpPr>
+          <p:cNvPr id="2" name="Title 1">
+            <a:extLst>
+              <a:ext uri="{FF2B5EF4-FFF2-40B4-BE49-F238E27FC236}">
+                <a16:creationId xmlns:a16="http://schemas.microsoft.com/office/drawing/2014/main" id="{8D7DEFC7-4C2D-43ED-A657-FE2E07980156}"/>
+              </a:ext>
+            </a:extLst>
+          </p:cNvPr>
+          <p:cNvSpPr>
+            <a:spLocks noGrp="1"/>
+          </p:cNvSpPr>
+          <p:nvPr>
+            <p:ph type="title"/>
+          </p:nvPr>
+        </p:nvSpPr>
+        <p:spPr/>
+        <p:txBody>
+          <a:bodyPr/>
+          <a:lstStyle/>
+          <a:p>
+            <a:r>
+              <a:rPr lang="en-AU" dirty="0"/>
+              <a:t>Machine learning</a:t>
+            </a:r>
+          </a:p>
+        </p:txBody>
+      </p:sp>
+      <p:pic>
+        <p:nvPicPr>
+          <p:cNvPr id="6" name="Picture 5">
+            <a:extLst>
+              <a:ext uri="{FF2B5EF4-FFF2-40B4-BE49-F238E27FC236}">
+                <a16:creationId xmlns:a16="http://schemas.microsoft.com/office/drawing/2014/main" id="{3BF5E67A-AFB7-4C3B-94E5-31A48082148E}"/>
+              </a:ext>
+            </a:extLst>
+          </p:cNvPr>
+          <p:cNvPicPr>
+            <a:picLocks noChangeAspect="1"/>
+          </p:cNvPicPr>
+          <p:nvPr/>
+        </p:nvPicPr>
+        <p:blipFill>
+          <a:blip r:embed="rId2"/>
+          <a:stretch>
+            <a:fillRect/>
+          </a:stretch>
+        </p:blipFill>
+        <p:spPr>
+          <a:xfrm>
+            <a:off x="1629068" y="1481475"/>
+            <a:ext cx="4396376" cy="2906814"/>
+          </a:xfrm>
+          <a:prstGeom prst="rect">
+            <a:avLst/>
+          </a:prstGeom>
+        </p:spPr>
+      </p:pic>
+      <p:pic>
+        <p:nvPicPr>
+          <p:cNvPr id="8" name="Picture 7">
+            <a:extLst>
+              <a:ext uri="{FF2B5EF4-FFF2-40B4-BE49-F238E27FC236}">
+                <a16:creationId xmlns:a16="http://schemas.microsoft.com/office/drawing/2014/main" id="{71D79A33-13DD-4C47-B4E0-F83246A57EE4}"/>
+              </a:ext>
+            </a:extLst>
+          </p:cNvPr>
+          <p:cNvPicPr>
+            <a:picLocks noChangeAspect="1"/>
+          </p:cNvPicPr>
+          <p:nvPr/>
+        </p:nvPicPr>
+        <p:blipFill>
+          <a:blip r:embed="rId3"/>
+          <a:stretch>
+            <a:fillRect/>
+          </a:stretch>
+        </p:blipFill>
+        <p:spPr>
+          <a:xfrm>
+            <a:off x="7620000" y="1429172"/>
+            <a:ext cx="3733800" cy="2371725"/>
+          </a:xfrm>
+          <a:prstGeom prst="rect">
+            <a:avLst/>
+          </a:prstGeom>
+        </p:spPr>
+      </p:pic>
+      <p:sp>
+        <p:nvSpPr>
+          <p:cNvPr id="9" name="TextBox 8">
+            <a:extLst>
+              <a:ext uri="{FF2B5EF4-FFF2-40B4-BE49-F238E27FC236}">
+                <a16:creationId xmlns:a16="http://schemas.microsoft.com/office/drawing/2014/main" id="{6CD845B2-95F4-4DEA-BE17-A56116A4BEB2}"/>
+              </a:ext>
+            </a:extLst>
+          </p:cNvPr>
+          <p:cNvSpPr txBox="1"/>
+          <p:nvPr/>
+        </p:nvSpPr>
+        <p:spPr>
+          <a:xfrm>
+            <a:off x="8005134" y="1059840"/>
+            <a:ext cx="2772076" cy="369332"/>
+          </a:xfrm>
+          <a:prstGeom prst="rect">
+            <a:avLst/>
+          </a:prstGeom>
+          <a:noFill/>
+        </p:spPr>
+        <p:txBody>
+          <a:bodyPr wrap="square" rtlCol="0">
+            <a:spAutoFit/>
+          </a:bodyPr>
+          <a:lstStyle/>
+          <a:p>
+            <a:r>
+              <a:rPr lang="en-AU" dirty="0"/>
+              <a:t>Linear Regression model</a:t>
+            </a:r>
+          </a:p>
+        </p:txBody>
+      </p:sp>
+      <p:sp>
+        <p:nvSpPr>
+          <p:cNvPr id="10" name="TextBox 9">
+            <a:extLst>
+              <a:ext uri="{FF2B5EF4-FFF2-40B4-BE49-F238E27FC236}">
+                <a16:creationId xmlns:a16="http://schemas.microsoft.com/office/drawing/2014/main" id="{67A9CE0F-2EFD-4E4C-84EA-C8D54980D75C}"/>
+              </a:ext>
+            </a:extLst>
+          </p:cNvPr>
+          <p:cNvSpPr txBox="1"/>
+          <p:nvPr/>
+        </p:nvSpPr>
+        <p:spPr>
+          <a:xfrm>
+            <a:off x="3209740" y="5911107"/>
+            <a:ext cx="4148373" cy="369332"/>
+          </a:xfrm>
+          <a:prstGeom prst="rect">
+            <a:avLst/>
+          </a:prstGeom>
+          <a:noFill/>
+        </p:spPr>
+        <p:txBody>
+          <a:bodyPr wrap="square" rtlCol="0">
+            <a:spAutoFit/>
+          </a:bodyPr>
+          <a:lstStyle/>
+          <a:p>
+            <a:r>
+              <a:rPr lang="en-AU" dirty="0"/>
+              <a:t>y=86526.594X-1.72x10</a:t>
+            </a:r>
+            <a:r>
+              <a:rPr lang="en-AU" baseline="30000" dirty="0"/>
+              <a:t>8</a:t>
+            </a:r>
+          </a:p>
+        </p:txBody>
+      </p:sp>
+      <p:pic>
+        <p:nvPicPr>
+          <p:cNvPr id="12" name="Picture 11">
+            <a:extLst>
+              <a:ext uri="{FF2B5EF4-FFF2-40B4-BE49-F238E27FC236}">
+                <a16:creationId xmlns:a16="http://schemas.microsoft.com/office/drawing/2014/main" id="{85761DED-6530-4AB0-9B7C-D5D77EE12B10}"/>
+              </a:ext>
+            </a:extLst>
+          </p:cNvPr>
+          <p:cNvPicPr>
+            <a:picLocks noChangeAspect="1"/>
+          </p:cNvPicPr>
+          <p:nvPr/>
+        </p:nvPicPr>
+        <p:blipFill>
+          <a:blip r:embed="rId4"/>
+          <a:stretch>
+            <a:fillRect/>
+          </a:stretch>
+        </p:blipFill>
+        <p:spPr>
+          <a:xfrm>
+            <a:off x="7552847" y="3965864"/>
+            <a:ext cx="3676650" cy="2314575"/>
+          </a:xfrm>
+          <a:prstGeom prst="rect">
+            <a:avLst/>
+          </a:prstGeom>
+        </p:spPr>
+      </p:pic>
+      <p:pic>
+        <p:nvPicPr>
+          <p:cNvPr id="14" name="Picture 13">
+            <a:extLst>
+              <a:ext uri="{FF2B5EF4-FFF2-40B4-BE49-F238E27FC236}">
+                <a16:creationId xmlns:a16="http://schemas.microsoft.com/office/drawing/2014/main" id="{2574FE36-F8C2-4C48-9499-D664238B13E4}"/>
+              </a:ext>
+            </a:extLst>
+          </p:cNvPr>
+          <p:cNvPicPr>
+            <a:picLocks noChangeAspect="1"/>
+          </p:cNvPicPr>
+          <p:nvPr/>
+        </p:nvPicPr>
+        <p:blipFill>
+          <a:blip r:embed="rId5"/>
+          <a:stretch>
+            <a:fillRect/>
+          </a:stretch>
+        </p:blipFill>
+        <p:spPr>
+          <a:xfrm>
+            <a:off x="2705579" y="4539507"/>
+            <a:ext cx="3867150" cy="1371600"/>
+          </a:xfrm>
+          <a:prstGeom prst="rect">
+            <a:avLst/>
+          </a:prstGeom>
+        </p:spPr>
+      </p:pic>
+      <p:pic>
+        <p:nvPicPr>
+          <p:cNvPr id="16" name="Picture 15">
+            <a:extLst>
+              <a:ext uri="{FF2B5EF4-FFF2-40B4-BE49-F238E27FC236}">
+                <a16:creationId xmlns:a16="http://schemas.microsoft.com/office/drawing/2014/main" id="{8FA47E48-4223-4586-A688-CC815F8A679A}"/>
+              </a:ext>
+            </a:extLst>
+          </p:cNvPr>
+          <p:cNvPicPr>
+            <a:picLocks noChangeAspect="1"/>
+          </p:cNvPicPr>
+          <p:nvPr/>
+        </p:nvPicPr>
+        <p:blipFill>
+          <a:blip r:embed="rId6"/>
+          <a:stretch>
+            <a:fillRect/>
+          </a:stretch>
+        </p:blipFill>
+        <p:spPr>
+          <a:xfrm>
+            <a:off x="2705579" y="6305550"/>
+            <a:ext cx="1543050" cy="552450"/>
+          </a:xfrm>
+          <a:prstGeom prst="rect">
+            <a:avLst/>
+          </a:prstGeom>
+        </p:spPr>
+      </p:pic>
+      <p:sp>
+        <p:nvSpPr>
+          <p:cNvPr id="17" name="TextBox 16">
+            <a:extLst>
+              <a:ext uri="{FF2B5EF4-FFF2-40B4-BE49-F238E27FC236}">
+                <a16:creationId xmlns:a16="http://schemas.microsoft.com/office/drawing/2014/main" id="{E4FDC177-7C71-4D67-8CBF-3211C5134FBF}"/>
+              </a:ext>
+            </a:extLst>
+          </p:cNvPr>
+          <p:cNvSpPr txBox="1"/>
+          <p:nvPr/>
+        </p:nvSpPr>
+        <p:spPr>
+          <a:xfrm>
+            <a:off x="6671733" y="6420006"/>
+            <a:ext cx="5520267" cy="369332"/>
+          </a:xfrm>
+          <a:prstGeom prst="rect">
+            <a:avLst/>
+          </a:prstGeom>
+          <a:noFill/>
+        </p:spPr>
+        <p:txBody>
+          <a:bodyPr wrap="square" rtlCol="0">
+            <a:spAutoFit/>
+          </a:bodyPr>
+          <a:lstStyle/>
+          <a:p>
+            <a:r>
+              <a:rPr lang="en-AU" dirty="0"/>
+              <a:t>In 2030 the number of publication :3,648,985.82</a:t>
+            </a:r>
+          </a:p>
+        </p:txBody>
+      </p:sp>
+    </p:spTree>
+    <p:extLst>
+      <p:ext uri="{BB962C8B-B14F-4D97-AF65-F5344CB8AC3E}">
+        <p14:creationId xmlns:p14="http://schemas.microsoft.com/office/powerpoint/2010/main" val="3198677982"/>
+      </p:ext>
+    </p:extLst>
+  </p:cSld>
+  <p:clrMapOvr>
+    <a:masterClrMapping/>
+  </p:clrMapOvr>
+</p:sld>
+</file>
+
+<file path=ppt/slides/slide6.xml><?xml version="1.0" encoding="utf-8"?>
 <p:sld xmlns:a="http://schemas.openxmlformats.org/drawingml/2006/main" xmlns:r="http://schemas.openxmlformats.org/officeDocument/2006/relationships" xmlns:p="http://schemas.openxmlformats.org/presentationml/2006/main">
   <p:cSld>
     <p:spTree>
